--- a/DSP/MIkkel-PowerPoints/DSP-07_DFT-definition-anvendelse.pptx
+++ b/DSP/MIkkel-PowerPoints/DSP-07_DFT-definition-anvendelse.pptx
@@ -7,10 +7,11 @@
   <p:sldIdLst>
     <p:sldId id="256" r:id="rId2"/>
     <p:sldId id="257" r:id="rId3"/>
-    <p:sldId id="258" r:id="rId4"/>
-    <p:sldId id="260" r:id="rId5"/>
-    <p:sldId id="259" r:id="rId6"/>
-    <p:sldId id="261" r:id="rId7"/>
+    <p:sldId id="262" r:id="rId4"/>
+    <p:sldId id="258" r:id="rId5"/>
+    <p:sldId id="260" r:id="rId6"/>
+    <p:sldId id="259" r:id="rId7"/>
+    <p:sldId id="261" r:id="rId8"/>
   </p:sldIdLst>
   <p:sldSz cx="12192000" cy="6858000"/>
   <p:notesSz cx="6858000" cy="9144000"/>
@@ -464,7 +465,7 @@
           <a:p>
             <a:fld id="{846CE7D5-CF57-46EF-B807-FDD0502418D4}" type="datetimeFigureOut">
               <a:rPr lang="en-US" smtClean="0"/>
-              <a:t>12/28/2024</a:t>
+              <a:t>1/14/2025</a:t>
             </a:fld>
             <a:endParaRPr lang="en-US"/>
           </a:p>
@@ -506,7 +507,7 @@
           <a:p>
             <a:fld id="{330EA680-D336-4FF7-8B7A-9848BB0A1C32}" type="slidenum">
               <a:rPr lang="en-US" smtClean="0"/>
-              <a:t>‹#›</a:t>
+              <a:t>‹nr.›</a:t>
             </a:fld>
             <a:endParaRPr lang="en-US"/>
           </a:p>
@@ -634,7 +635,7 @@
           <a:p>
             <a:fld id="{846CE7D5-CF57-46EF-B807-FDD0502418D4}" type="datetimeFigureOut">
               <a:rPr lang="en-US" smtClean="0"/>
-              <a:t>12/28/2024</a:t>
+              <a:t>1/14/2025</a:t>
             </a:fld>
             <a:endParaRPr lang="en-US"/>
           </a:p>
@@ -676,7 +677,7 @@
           <a:p>
             <a:fld id="{330EA680-D336-4FF7-8B7A-9848BB0A1C32}" type="slidenum">
               <a:rPr lang="en-US" smtClean="0"/>
-              <a:t>‹#›</a:t>
+              <a:t>‹nr.›</a:t>
             </a:fld>
             <a:endParaRPr lang="en-US"/>
           </a:p>
@@ -814,7 +815,7 @@
           <a:p>
             <a:fld id="{846CE7D5-CF57-46EF-B807-FDD0502418D4}" type="datetimeFigureOut">
               <a:rPr lang="en-US" smtClean="0"/>
-              <a:t>12/28/2024</a:t>
+              <a:t>1/14/2025</a:t>
             </a:fld>
             <a:endParaRPr lang="en-US"/>
           </a:p>
@@ -856,7 +857,7 @@
           <a:p>
             <a:fld id="{330EA680-D336-4FF7-8B7A-9848BB0A1C32}" type="slidenum">
               <a:rPr lang="en-US" smtClean="0"/>
-              <a:t>‹#›</a:t>
+              <a:t>‹nr.›</a:t>
             </a:fld>
             <a:endParaRPr lang="en-US"/>
           </a:p>
@@ -984,7 +985,7 @@
           <a:p>
             <a:fld id="{846CE7D5-CF57-46EF-B807-FDD0502418D4}" type="datetimeFigureOut">
               <a:rPr lang="en-US" smtClean="0"/>
-              <a:t>12/28/2024</a:t>
+              <a:t>1/14/2025</a:t>
             </a:fld>
             <a:endParaRPr lang="en-US"/>
           </a:p>
@@ -1026,7 +1027,7 @@
           <a:p>
             <a:fld id="{330EA680-D336-4FF7-8B7A-9848BB0A1C32}" type="slidenum">
               <a:rPr lang="en-US" smtClean="0"/>
-              <a:t>‹#›</a:t>
+              <a:t>‹nr.›</a:t>
             </a:fld>
             <a:endParaRPr lang="en-US"/>
           </a:p>
@@ -1230,7 +1231,7 @@
           <a:p>
             <a:fld id="{846CE7D5-CF57-46EF-B807-FDD0502418D4}" type="datetimeFigureOut">
               <a:rPr lang="en-US" smtClean="0"/>
-              <a:t>12/28/2024</a:t>
+              <a:t>1/14/2025</a:t>
             </a:fld>
             <a:endParaRPr lang="en-US"/>
           </a:p>
@@ -1272,7 +1273,7 @@
           <a:p>
             <a:fld id="{330EA680-D336-4FF7-8B7A-9848BB0A1C32}" type="slidenum">
               <a:rPr lang="en-US" smtClean="0"/>
-              <a:t>‹#›</a:t>
+              <a:t>‹nr.›</a:t>
             </a:fld>
             <a:endParaRPr lang="en-US"/>
           </a:p>
@@ -1462,7 +1463,7 @@
           <a:p>
             <a:fld id="{846CE7D5-CF57-46EF-B807-FDD0502418D4}" type="datetimeFigureOut">
               <a:rPr lang="en-US" smtClean="0"/>
-              <a:t>12/28/2024</a:t>
+              <a:t>1/14/2025</a:t>
             </a:fld>
             <a:endParaRPr lang="en-US"/>
           </a:p>
@@ -1504,7 +1505,7 @@
           <a:p>
             <a:fld id="{330EA680-D336-4FF7-8B7A-9848BB0A1C32}" type="slidenum">
               <a:rPr lang="en-US" smtClean="0"/>
-              <a:t>‹#›</a:t>
+              <a:t>‹nr.›</a:t>
             </a:fld>
             <a:endParaRPr lang="en-US"/>
           </a:p>
@@ -1829,7 +1830,7 @@
           <a:p>
             <a:fld id="{846CE7D5-CF57-46EF-B807-FDD0502418D4}" type="datetimeFigureOut">
               <a:rPr lang="en-US" smtClean="0"/>
-              <a:t>12/28/2024</a:t>
+              <a:t>1/14/2025</a:t>
             </a:fld>
             <a:endParaRPr lang="en-US"/>
           </a:p>
@@ -1871,7 +1872,7 @@
           <a:p>
             <a:fld id="{330EA680-D336-4FF7-8B7A-9848BB0A1C32}" type="slidenum">
               <a:rPr lang="en-US" smtClean="0"/>
-              <a:t>‹#›</a:t>
+              <a:t>‹nr.›</a:t>
             </a:fld>
             <a:endParaRPr lang="en-US"/>
           </a:p>
@@ -1947,7 +1948,7 @@
           <a:p>
             <a:fld id="{846CE7D5-CF57-46EF-B807-FDD0502418D4}" type="datetimeFigureOut">
               <a:rPr lang="en-US" smtClean="0"/>
-              <a:t>12/28/2024</a:t>
+              <a:t>1/14/2025</a:t>
             </a:fld>
             <a:endParaRPr lang="en-US"/>
           </a:p>
@@ -1989,7 +1990,7 @@
           <a:p>
             <a:fld id="{330EA680-D336-4FF7-8B7A-9848BB0A1C32}" type="slidenum">
               <a:rPr lang="en-US" smtClean="0"/>
-              <a:t>‹#›</a:t>
+              <a:t>‹nr.›</a:t>
             </a:fld>
             <a:endParaRPr lang="en-US"/>
           </a:p>
@@ -2042,7 +2043,7 @@
           <a:p>
             <a:fld id="{846CE7D5-CF57-46EF-B807-FDD0502418D4}" type="datetimeFigureOut">
               <a:rPr lang="en-US" smtClean="0"/>
-              <a:t>12/28/2024</a:t>
+              <a:t>1/14/2025</a:t>
             </a:fld>
             <a:endParaRPr lang="en-US"/>
           </a:p>
@@ -2084,7 +2085,7 @@
           <a:p>
             <a:fld id="{330EA680-D336-4FF7-8B7A-9848BB0A1C32}" type="slidenum">
               <a:rPr lang="en-US" smtClean="0"/>
-              <a:t>‹#›</a:t>
+              <a:t>‹nr.›</a:t>
             </a:fld>
             <a:endParaRPr lang="en-US"/>
           </a:p>
@@ -2319,7 +2320,7 @@
           <a:p>
             <a:fld id="{846CE7D5-CF57-46EF-B807-FDD0502418D4}" type="datetimeFigureOut">
               <a:rPr lang="en-US" smtClean="0"/>
-              <a:t>12/28/2024</a:t>
+              <a:t>1/14/2025</a:t>
             </a:fld>
             <a:endParaRPr lang="en-US"/>
           </a:p>
@@ -2361,7 +2362,7 @@
           <a:p>
             <a:fld id="{330EA680-D336-4FF7-8B7A-9848BB0A1C32}" type="slidenum">
               <a:rPr lang="en-US" smtClean="0"/>
-              <a:t>‹#›</a:t>
+              <a:t>‹nr.›</a:t>
             </a:fld>
             <a:endParaRPr lang="en-US"/>
           </a:p>
@@ -2576,7 +2577,7 @@
           <a:p>
             <a:fld id="{846CE7D5-CF57-46EF-B807-FDD0502418D4}" type="datetimeFigureOut">
               <a:rPr lang="en-US" smtClean="0"/>
-              <a:t>12/28/2024</a:t>
+              <a:t>1/14/2025</a:t>
             </a:fld>
             <a:endParaRPr lang="en-US"/>
           </a:p>
@@ -2618,7 +2619,7 @@
           <a:p>
             <a:fld id="{330EA680-D336-4FF7-8B7A-9848BB0A1C32}" type="slidenum">
               <a:rPr lang="en-US" smtClean="0"/>
-              <a:t>‹#›</a:t>
+              <a:t>‹nr.›</a:t>
             </a:fld>
             <a:endParaRPr lang="en-US"/>
           </a:p>
@@ -2789,7 +2790,7 @@
           <a:p>
             <a:fld id="{846CE7D5-CF57-46EF-B807-FDD0502418D4}" type="datetimeFigureOut">
               <a:rPr lang="en-US" smtClean="0"/>
-              <a:t>12/28/2024</a:t>
+              <a:t>1/14/2025</a:t>
             </a:fld>
             <a:endParaRPr lang="en-US"/>
           </a:p>
@@ -2867,7 +2868,7 @@
           <a:p>
             <a:fld id="{330EA680-D336-4FF7-8B7A-9848BB0A1C32}" type="slidenum">
               <a:rPr lang="en-US" smtClean="0"/>
-              <a:t>‹#›</a:t>
+              <a:t>‹nr.›</a:t>
             </a:fld>
             <a:endParaRPr lang="en-US"/>
           </a:p>
@@ -3359,6 +3360,303 @@
       </p:grpSpPr>
       <p:pic>
         <p:nvPicPr>
+          <p:cNvPr id="5" name="Billede 4">
+            <a:extLst>
+              <a:ext uri="{FF2B5EF4-FFF2-40B4-BE49-F238E27FC236}">
+                <a16:creationId xmlns:a16="http://schemas.microsoft.com/office/drawing/2014/main" id="{7D2D7960-B79C-0BA2-2DAB-25D434BF6CEE}"/>
+              </a:ext>
+            </a:extLst>
+          </p:cNvPr>
+          <p:cNvPicPr>
+            <a:picLocks noChangeAspect="1"/>
+          </p:cNvPicPr>
+          <p:nvPr/>
+        </p:nvPicPr>
+        <p:blipFill>
+          <a:blip r:embed="rId2"/>
+          <a:stretch>
+            <a:fillRect/>
+          </a:stretch>
+        </p:blipFill>
+        <p:spPr>
+          <a:xfrm>
+            <a:off x="694635" y="998006"/>
+            <a:ext cx="10802730" cy="4861988"/>
+          </a:xfrm>
+          <a:prstGeom prst="rect">
+            <a:avLst/>
+          </a:prstGeom>
+        </p:spPr>
+      </p:pic>
+      <p:cxnSp>
+        <p:nvCxnSpPr>
+          <p:cNvPr id="7" name="Lige pilforbindelse 6">
+            <a:extLst>
+              <a:ext uri="{FF2B5EF4-FFF2-40B4-BE49-F238E27FC236}">
+                <a16:creationId xmlns:a16="http://schemas.microsoft.com/office/drawing/2014/main" id="{634D4FC0-3ACD-425E-D117-23DC1E103DC7}"/>
+              </a:ext>
+            </a:extLst>
+          </p:cNvPr>
+          <p:cNvCxnSpPr>
+            <a:cxnSpLocks/>
+          </p:cNvCxnSpPr>
+          <p:nvPr/>
+        </p:nvCxnSpPr>
+        <p:spPr>
+          <a:xfrm flipH="1">
+            <a:off x="3862699" y="2196269"/>
+            <a:ext cx="358923" cy="521294"/>
+          </a:xfrm>
+          <a:prstGeom prst="straightConnector1">
+            <a:avLst/>
+          </a:prstGeom>
+          <a:ln>
+            <a:solidFill>
+              <a:srgbClr val="FF0000"/>
+            </a:solidFill>
+            <a:tailEnd type="triangle"/>
+          </a:ln>
+        </p:spPr>
+        <p:style>
+          <a:lnRef idx="2">
+            <a:schemeClr val="accent1"/>
+          </a:lnRef>
+          <a:fillRef idx="0">
+            <a:schemeClr val="accent1"/>
+          </a:fillRef>
+          <a:effectRef idx="1">
+            <a:schemeClr val="accent1"/>
+          </a:effectRef>
+          <a:fontRef idx="minor">
+            <a:schemeClr val="tx1"/>
+          </a:fontRef>
+        </p:style>
+      </p:cxnSp>
+      <p:sp>
+        <p:nvSpPr>
+          <p:cNvPr id="9" name="Tekstfelt 8">
+            <a:extLst>
+              <a:ext uri="{FF2B5EF4-FFF2-40B4-BE49-F238E27FC236}">
+                <a16:creationId xmlns:a16="http://schemas.microsoft.com/office/drawing/2014/main" id="{A8149328-F1E4-F909-8F4F-E2EBB6C31213}"/>
+              </a:ext>
+            </a:extLst>
+          </p:cNvPr>
+          <p:cNvSpPr txBox="1"/>
+          <p:nvPr/>
+        </p:nvSpPr>
+        <p:spPr>
+          <a:xfrm>
+            <a:off x="4221622" y="1948441"/>
+            <a:ext cx="2110812" cy="369332"/>
+          </a:xfrm>
+          <a:prstGeom prst="rect">
+            <a:avLst/>
+          </a:prstGeom>
+          <a:noFill/>
+        </p:spPr>
+        <p:txBody>
+          <a:bodyPr wrap="square" rtlCol="0">
+            <a:spAutoFit/>
+          </a:bodyPr>
+          <a:lstStyle/>
+          <a:p>
+            <a:r>
+              <a:rPr lang="da-DK" dirty="0"/>
+              <a:t>5 ulige harmoniske</a:t>
+            </a:r>
+          </a:p>
+        </p:txBody>
+      </p:sp>
+      <p:cxnSp>
+        <p:nvCxnSpPr>
+          <p:cNvPr id="10" name="Lige pilforbindelse 9">
+            <a:extLst>
+              <a:ext uri="{FF2B5EF4-FFF2-40B4-BE49-F238E27FC236}">
+                <a16:creationId xmlns:a16="http://schemas.microsoft.com/office/drawing/2014/main" id="{46054A17-9AD4-7134-E8F6-B335E20E1164}"/>
+              </a:ext>
+            </a:extLst>
+          </p:cNvPr>
+          <p:cNvCxnSpPr>
+            <a:cxnSpLocks/>
+          </p:cNvCxnSpPr>
+          <p:nvPr/>
+        </p:nvCxnSpPr>
+        <p:spPr>
+          <a:xfrm flipH="1">
+            <a:off x="1878647" y="1690641"/>
+            <a:ext cx="358923" cy="521294"/>
+          </a:xfrm>
+          <a:prstGeom prst="straightConnector1">
+            <a:avLst/>
+          </a:prstGeom>
+          <a:ln>
+            <a:solidFill>
+              <a:srgbClr val="FF0000"/>
+            </a:solidFill>
+            <a:tailEnd type="triangle"/>
+          </a:ln>
+        </p:spPr>
+        <p:style>
+          <a:lnRef idx="2">
+            <a:schemeClr val="accent1"/>
+          </a:lnRef>
+          <a:fillRef idx="0">
+            <a:schemeClr val="accent1"/>
+          </a:fillRef>
+          <a:effectRef idx="1">
+            <a:schemeClr val="accent1"/>
+          </a:effectRef>
+          <a:fontRef idx="minor">
+            <a:schemeClr val="tx1"/>
+          </a:fontRef>
+        </p:style>
+      </p:cxnSp>
+      <p:sp>
+        <p:nvSpPr>
+          <p:cNvPr id="11" name="Tekstfelt 10">
+            <a:extLst>
+              <a:ext uri="{FF2B5EF4-FFF2-40B4-BE49-F238E27FC236}">
+                <a16:creationId xmlns:a16="http://schemas.microsoft.com/office/drawing/2014/main" id="{00BD1551-D2AC-EF94-0806-56D9C2DBC65E}"/>
+              </a:ext>
+            </a:extLst>
+          </p:cNvPr>
+          <p:cNvSpPr txBox="1"/>
+          <p:nvPr/>
+        </p:nvSpPr>
+        <p:spPr>
+          <a:xfrm>
+            <a:off x="2237569" y="1442813"/>
+            <a:ext cx="2804449" cy="369332"/>
+          </a:xfrm>
+          <a:prstGeom prst="rect">
+            <a:avLst/>
+          </a:prstGeom>
+          <a:noFill/>
+        </p:spPr>
+        <p:txBody>
+          <a:bodyPr wrap="square" rtlCol="0">
+            <a:spAutoFit/>
+          </a:bodyPr>
+          <a:lstStyle/>
+          <a:p>
+            <a:r>
+              <a:rPr lang="da-DK" dirty="0"/>
+              <a:t>5 ulige + 5 lige harmoniske</a:t>
+            </a:r>
+          </a:p>
+        </p:txBody>
+      </p:sp>
+      <p:cxnSp>
+        <p:nvCxnSpPr>
+          <p:cNvPr id="12" name="Lige pilforbindelse 11">
+            <a:extLst>
+              <a:ext uri="{FF2B5EF4-FFF2-40B4-BE49-F238E27FC236}">
+                <a16:creationId xmlns:a16="http://schemas.microsoft.com/office/drawing/2014/main" id="{971FC5E4-83D5-85E6-7012-416E9C2B6FDB}"/>
+              </a:ext>
+            </a:extLst>
+          </p:cNvPr>
+          <p:cNvCxnSpPr>
+            <a:cxnSpLocks/>
+          </p:cNvCxnSpPr>
+          <p:nvPr/>
+        </p:nvCxnSpPr>
+        <p:spPr>
+          <a:xfrm flipV="1">
+            <a:off x="3070075" y="3919671"/>
+            <a:ext cx="356789" cy="477142"/>
+          </a:xfrm>
+          <a:prstGeom prst="straightConnector1">
+            <a:avLst/>
+          </a:prstGeom>
+          <a:ln>
+            <a:solidFill>
+              <a:srgbClr val="FF0000"/>
+            </a:solidFill>
+            <a:tailEnd type="triangle"/>
+          </a:ln>
+        </p:spPr>
+        <p:style>
+          <a:lnRef idx="2">
+            <a:schemeClr val="accent1"/>
+          </a:lnRef>
+          <a:fillRef idx="0">
+            <a:schemeClr val="accent1"/>
+          </a:fillRef>
+          <a:effectRef idx="1">
+            <a:schemeClr val="accent1"/>
+          </a:effectRef>
+          <a:fontRef idx="minor">
+            <a:schemeClr val="tx1"/>
+          </a:fontRef>
+        </p:style>
+      </p:cxnSp>
+      <p:sp>
+        <p:nvSpPr>
+          <p:cNvPr id="13" name="Tekstfelt 12">
+            <a:extLst>
+              <a:ext uri="{FF2B5EF4-FFF2-40B4-BE49-F238E27FC236}">
+                <a16:creationId xmlns:a16="http://schemas.microsoft.com/office/drawing/2014/main" id="{8F50EC55-207C-A972-2850-691846009487}"/>
+              </a:ext>
+            </a:extLst>
+          </p:cNvPr>
+          <p:cNvSpPr txBox="1"/>
+          <p:nvPr/>
+        </p:nvSpPr>
+        <p:spPr>
+          <a:xfrm>
+            <a:off x="1878647" y="4396813"/>
+            <a:ext cx="2110812" cy="369332"/>
+          </a:xfrm>
+          <a:prstGeom prst="rect">
+            <a:avLst/>
+          </a:prstGeom>
+          <a:noFill/>
+        </p:spPr>
+        <p:txBody>
+          <a:bodyPr wrap="square" rtlCol="0">
+            <a:spAutoFit/>
+          </a:bodyPr>
+          <a:lstStyle/>
+          <a:p>
+            <a:r>
+              <a:rPr lang="da-DK" dirty="0"/>
+              <a:t>5 lige harmoniske</a:t>
+            </a:r>
+          </a:p>
+        </p:txBody>
+      </p:sp>
+    </p:spTree>
+    <p:extLst>
+      <p:ext uri="{BB962C8B-B14F-4D97-AF65-F5344CB8AC3E}">
+        <p14:creationId xmlns:p14="http://schemas.microsoft.com/office/powerpoint/2010/main" val="1392161565"/>
+      </p:ext>
+    </p:extLst>
+  </p:cSld>
+  <p:clrMapOvr>
+    <a:masterClrMapping/>
+  </p:clrMapOvr>
+</p:sld>
+</file>
+
+<file path=ppt/slides/slide4.xml><?xml version="1.0" encoding="utf-8"?>
+<p:sld xmlns:a="http://schemas.openxmlformats.org/drawingml/2006/main" xmlns:r="http://schemas.openxmlformats.org/officeDocument/2006/relationships" xmlns:p="http://schemas.openxmlformats.org/presentationml/2006/main">
+  <p:cSld>
+    <p:spTree>
+      <p:nvGrpSpPr>
+        <p:cNvPr id="1" name=""/>
+        <p:cNvGrpSpPr/>
+        <p:nvPr/>
+      </p:nvGrpSpPr>
+      <p:grpSpPr>
+        <a:xfrm>
+          <a:off x="0" y="0"/>
+          <a:ext cx="0" cy="0"/>
+          <a:chOff x="0" y="0"/>
+          <a:chExt cx="0" cy="0"/>
+        </a:xfrm>
+      </p:grpSpPr>
+      <p:pic>
+        <p:nvPicPr>
           <p:cNvPr id="4" name="Picture 3" descr="A group of mathematical equations&#10;&#10;Description automatically generated">
             <a:extLst>
               <a:ext uri="{FF2B5EF4-FFF2-40B4-BE49-F238E27FC236}">
@@ -3430,7 +3728,7 @@
 </p:sld>
 </file>
 
-<file path=ppt/slides/slide4.xml><?xml version="1.0" encoding="utf-8"?>
+<file path=ppt/slides/slide5.xml><?xml version="1.0" encoding="utf-8"?>
 <p:sld xmlns:a="http://schemas.openxmlformats.org/drawingml/2006/main" xmlns:r="http://schemas.openxmlformats.org/officeDocument/2006/relationships" xmlns:p="http://schemas.openxmlformats.org/presentationml/2006/main">
   <p:cSld>
     <p:spTree>
@@ -3520,7 +3818,7 @@
 </p:sld>
 </file>
 
-<file path=ppt/slides/slide5.xml><?xml version="1.0" encoding="utf-8"?>
+<file path=ppt/slides/slide6.xml><?xml version="1.0" encoding="utf-8"?>
 <p:sld xmlns:a="http://schemas.openxmlformats.org/drawingml/2006/main" xmlns:r="http://schemas.openxmlformats.org/officeDocument/2006/relationships" xmlns:p="http://schemas.openxmlformats.org/presentationml/2006/main">
   <p:cSld>
     <p:spTree>
@@ -3580,7 +3878,7 @@
 </p:sld>
 </file>
 
-<file path=ppt/slides/slide6.xml><?xml version="1.0" encoding="utf-8"?>
+<file path=ppt/slides/slide7.xml><?xml version="1.0" encoding="utf-8"?>
 <p:sld xmlns:a="http://schemas.openxmlformats.org/drawingml/2006/main" xmlns:r="http://schemas.openxmlformats.org/officeDocument/2006/relationships" xmlns:p="http://schemas.openxmlformats.org/presentationml/2006/main">
   <p:cSld>
     <p:spTree>

--- a/DSP/MIkkel-PowerPoints/DSP-07_DFT-definition-anvendelse.pptx
+++ b/DSP/MIkkel-PowerPoints/DSP-07_DFT-definition-anvendelse.pptx
@@ -126,214 +126,6 @@
 </p1510:revInfo>
 </file>
 
-<file path=ppt/changesInfos/changesInfo1.xml><?xml version="1.0" encoding="utf-8"?>
-<pc:chgInfo xmlns:a="http://schemas.openxmlformats.org/drawingml/2006/main" xmlns:r="http://schemas.openxmlformats.org/officeDocument/2006/relationships" xmlns:ac="http://schemas.microsoft.com/office/drawing/2013/main/command" xmlns:pc="http://schemas.microsoft.com/office/powerpoint/2013/main/command">
-  <pc:docChgLst>
-    <pc:chgData name="Mikkel Norre Nielsen" userId="S::te23dr@student.aau.dk::08025e8e-c0f6-41eb-9a1e-9487d7d200eb" providerId="AD" clId="Web-{8040B955-2051-396C-7BEF-C6911C791A7E}"/>
-    <pc:docChg chg="addSld modSld sldOrd">
-      <pc:chgData name="Mikkel Norre Nielsen" userId="S::te23dr@student.aau.dk::08025e8e-c0f6-41eb-9a1e-9487d7d200eb" providerId="AD" clId="Web-{8040B955-2051-396C-7BEF-C6911C791A7E}" dt="2024-12-28T10:33:25.026" v="56" actId="20577"/>
-      <pc:docMkLst>
-        <pc:docMk/>
-      </pc:docMkLst>
-      <pc:sldChg chg="modSp">
-        <pc:chgData name="Mikkel Norre Nielsen" userId="S::te23dr@student.aau.dk::08025e8e-c0f6-41eb-9a1e-9487d7d200eb" providerId="AD" clId="Web-{8040B955-2051-396C-7BEF-C6911C791A7E}" dt="2024-12-28T08:56:37.775" v="1" actId="20577"/>
-        <pc:sldMkLst>
-          <pc:docMk/>
-          <pc:sldMk cId="109857222" sldId="256"/>
-        </pc:sldMkLst>
-        <pc:spChg chg="mod">
-          <ac:chgData name="Mikkel Norre Nielsen" userId="S::te23dr@student.aau.dk::08025e8e-c0f6-41eb-9a1e-9487d7d200eb" providerId="AD" clId="Web-{8040B955-2051-396C-7BEF-C6911C791A7E}" dt="2024-12-28T08:56:37.775" v="1" actId="20577"/>
-          <ac:spMkLst>
-            <pc:docMk/>
-            <pc:sldMk cId="109857222" sldId="256"/>
-            <ac:spMk id="2" creationId="{00000000-0000-0000-0000-000000000000}"/>
-          </ac:spMkLst>
-        </pc:spChg>
-      </pc:sldChg>
-      <pc:sldChg chg="addSp delSp modSp new">
-        <pc:chgData name="Mikkel Norre Nielsen" userId="S::te23dr@student.aau.dk::08025e8e-c0f6-41eb-9a1e-9487d7d200eb" providerId="AD" clId="Web-{8040B955-2051-396C-7BEF-C6911C791A7E}" dt="2024-12-28T10:00:52.611" v="14" actId="1076"/>
-        <pc:sldMkLst>
-          <pc:docMk/>
-          <pc:sldMk cId="3374281681" sldId="257"/>
-        </pc:sldMkLst>
-        <pc:spChg chg="del">
-          <ac:chgData name="Mikkel Norre Nielsen" userId="S::te23dr@student.aau.dk::08025e8e-c0f6-41eb-9a1e-9487d7d200eb" providerId="AD" clId="Web-{8040B955-2051-396C-7BEF-C6911C791A7E}" dt="2024-12-28T09:26:17.502" v="4"/>
-          <ac:spMkLst>
-            <pc:docMk/>
-            <pc:sldMk cId="3374281681" sldId="257"/>
-            <ac:spMk id="2" creationId="{FF125F90-CA9B-65E4-86EA-2F5EA46919EF}"/>
-          </ac:spMkLst>
-        </pc:spChg>
-        <pc:spChg chg="del">
-          <ac:chgData name="Mikkel Norre Nielsen" userId="S::te23dr@student.aau.dk::08025e8e-c0f6-41eb-9a1e-9487d7d200eb" providerId="AD" clId="Web-{8040B955-2051-396C-7BEF-C6911C791A7E}" dt="2024-12-28T09:26:12.548" v="3"/>
-          <ac:spMkLst>
-            <pc:docMk/>
-            <pc:sldMk cId="3374281681" sldId="257"/>
-            <ac:spMk id="3" creationId="{1775A2B0-67AB-D0A2-C17A-58E9523B2654}"/>
-          </ac:spMkLst>
-        </pc:spChg>
-        <pc:picChg chg="add mod">
-          <ac:chgData name="Mikkel Norre Nielsen" userId="S::te23dr@student.aau.dk::08025e8e-c0f6-41eb-9a1e-9487d7d200eb" providerId="AD" clId="Web-{8040B955-2051-396C-7BEF-C6911C791A7E}" dt="2024-12-28T10:00:52.611" v="14" actId="1076"/>
-          <ac:picMkLst>
-            <pc:docMk/>
-            <pc:sldMk cId="3374281681" sldId="257"/>
-            <ac:picMk id="4" creationId="{F95EF95F-25D9-B719-6DCA-7FCDA2525D69}"/>
-          </ac:picMkLst>
-        </pc:picChg>
-      </pc:sldChg>
-      <pc:sldChg chg="addSp delSp modSp new">
-        <pc:chgData name="Mikkel Norre Nielsen" userId="S::te23dr@student.aau.dk::08025e8e-c0f6-41eb-9a1e-9487d7d200eb" providerId="AD" clId="Web-{8040B955-2051-396C-7BEF-C6911C791A7E}" dt="2024-12-28T10:08:41.204" v="17" actId="1076"/>
-        <pc:sldMkLst>
-          <pc:docMk/>
-          <pc:sldMk cId="867347316" sldId="258"/>
-        </pc:sldMkLst>
-        <pc:spChg chg="del">
-          <ac:chgData name="Mikkel Norre Nielsen" userId="S::te23dr@student.aau.dk::08025e8e-c0f6-41eb-9a1e-9487d7d200eb" providerId="AD" clId="Web-{8040B955-2051-396C-7BEF-C6911C791A7E}" dt="2024-12-28T09:41:01.446" v="8"/>
-          <ac:spMkLst>
-            <pc:docMk/>
-            <pc:sldMk cId="867347316" sldId="258"/>
-            <ac:spMk id="2" creationId="{85838EF8-FB13-34E7-876A-42D0EA61A96F}"/>
-          </ac:spMkLst>
-        </pc:spChg>
-        <pc:spChg chg="del">
-          <ac:chgData name="Mikkel Norre Nielsen" userId="S::te23dr@student.aau.dk::08025e8e-c0f6-41eb-9a1e-9487d7d200eb" providerId="AD" clId="Web-{8040B955-2051-396C-7BEF-C6911C791A7E}" dt="2024-12-28T09:40:57.695" v="7"/>
-          <ac:spMkLst>
-            <pc:docMk/>
-            <pc:sldMk cId="867347316" sldId="258"/>
-            <ac:spMk id="3" creationId="{448E8DA1-D8BB-ACC1-1572-7E364185EB0B}"/>
-          </ac:spMkLst>
-        </pc:spChg>
-        <pc:picChg chg="add mod">
-          <ac:chgData name="Mikkel Norre Nielsen" userId="S::te23dr@student.aau.dk::08025e8e-c0f6-41eb-9a1e-9487d7d200eb" providerId="AD" clId="Web-{8040B955-2051-396C-7BEF-C6911C791A7E}" dt="2024-12-28T10:08:41.204" v="17" actId="1076"/>
-          <ac:picMkLst>
-            <pc:docMk/>
-            <pc:sldMk cId="867347316" sldId="258"/>
-            <ac:picMk id="2" creationId="{CA20DFA9-9C1A-E160-BA3D-88644F5B454D}"/>
-          </ac:picMkLst>
-        </pc:picChg>
-        <pc:picChg chg="add mod">
-          <ac:chgData name="Mikkel Norre Nielsen" userId="S::te23dr@student.aau.dk::08025e8e-c0f6-41eb-9a1e-9487d7d200eb" providerId="AD" clId="Web-{8040B955-2051-396C-7BEF-C6911C791A7E}" dt="2024-12-28T10:08:02.328" v="15" actId="1076"/>
-          <ac:picMkLst>
-            <pc:docMk/>
-            <pc:sldMk cId="867347316" sldId="258"/>
-            <ac:picMk id="4" creationId="{588433D0-5EA7-9389-72DA-A8FDF5A57DEF}"/>
-          </ac:picMkLst>
-        </pc:picChg>
-      </pc:sldChg>
-      <pc:sldChg chg="addSp delSp modSp new">
-        <pc:chgData name="Mikkel Norre Nielsen" userId="S::te23dr@student.aau.dk::08025e8e-c0f6-41eb-9a1e-9487d7d200eb" providerId="AD" clId="Web-{8040B955-2051-396C-7BEF-C6911C791A7E}" dt="2024-12-28T10:19:26.163" v="33" actId="1076"/>
-        <pc:sldMkLst>
-          <pc:docMk/>
-          <pc:sldMk cId="1201259777" sldId="259"/>
-        </pc:sldMkLst>
-        <pc:spChg chg="del">
-          <ac:chgData name="Mikkel Norre Nielsen" userId="S::te23dr@student.aau.dk::08025e8e-c0f6-41eb-9a1e-9487d7d200eb" providerId="AD" clId="Web-{8040B955-2051-396C-7BEF-C6911C791A7E}" dt="2024-12-28T10:15:37.624" v="20"/>
-          <ac:spMkLst>
-            <pc:docMk/>
-            <pc:sldMk cId="1201259777" sldId="259"/>
-            <ac:spMk id="2" creationId="{13FA20F2-7722-DD53-005C-D707F2865CF7}"/>
-          </ac:spMkLst>
-        </pc:spChg>
-        <pc:spChg chg="del">
-          <ac:chgData name="Mikkel Norre Nielsen" userId="S::te23dr@student.aau.dk::08025e8e-c0f6-41eb-9a1e-9487d7d200eb" providerId="AD" clId="Web-{8040B955-2051-396C-7BEF-C6911C791A7E}" dt="2024-12-28T10:15:34.156" v="19"/>
-          <ac:spMkLst>
-            <pc:docMk/>
-            <pc:sldMk cId="1201259777" sldId="259"/>
-            <ac:spMk id="3" creationId="{D8564EF6-733D-9863-3DE1-62E9C9710899}"/>
-          </ac:spMkLst>
-        </pc:spChg>
-        <pc:picChg chg="add del mod">
-          <ac:chgData name="Mikkel Norre Nielsen" userId="S::te23dr@student.aau.dk::08025e8e-c0f6-41eb-9a1e-9487d7d200eb" providerId="AD" clId="Web-{8040B955-2051-396C-7BEF-C6911C791A7E}" dt="2024-12-28T10:17:14.502" v="27"/>
-          <ac:picMkLst>
-            <pc:docMk/>
-            <pc:sldMk cId="1201259777" sldId="259"/>
-            <ac:picMk id="4" creationId="{E52C1F2D-9BC9-1AFC-E644-90F5B888A82D}"/>
-          </ac:picMkLst>
-        </pc:picChg>
-        <pc:picChg chg="add del mod">
-          <ac:chgData name="Mikkel Norre Nielsen" userId="S::te23dr@student.aau.dk::08025e8e-c0f6-41eb-9a1e-9487d7d200eb" providerId="AD" clId="Web-{8040B955-2051-396C-7BEF-C6911C791A7E}" dt="2024-12-28T10:17:13.174" v="26"/>
-          <ac:picMkLst>
-            <pc:docMk/>
-            <pc:sldMk cId="1201259777" sldId="259"/>
-            <ac:picMk id="5" creationId="{ED71B20D-5578-7551-C9C5-8948BCA95A8C}"/>
-          </ac:picMkLst>
-        </pc:picChg>
-        <pc:picChg chg="add del mod">
-          <ac:chgData name="Mikkel Norre Nielsen" userId="S::te23dr@student.aau.dk::08025e8e-c0f6-41eb-9a1e-9487d7d200eb" providerId="AD" clId="Web-{8040B955-2051-396C-7BEF-C6911C791A7E}" dt="2024-12-28T10:19:08.381" v="30"/>
-          <ac:picMkLst>
-            <pc:docMk/>
-            <pc:sldMk cId="1201259777" sldId="259"/>
-            <ac:picMk id="6" creationId="{6C2EA479-E9EF-4E4A-80F1-0FDAC51F58B8}"/>
-          </ac:picMkLst>
-        </pc:picChg>
-        <pc:picChg chg="add mod">
-          <ac:chgData name="Mikkel Norre Nielsen" userId="S::te23dr@student.aau.dk::08025e8e-c0f6-41eb-9a1e-9487d7d200eb" providerId="AD" clId="Web-{8040B955-2051-396C-7BEF-C6911C791A7E}" dt="2024-12-28T10:19:26.163" v="33" actId="1076"/>
-          <ac:picMkLst>
-            <pc:docMk/>
-            <pc:sldMk cId="1201259777" sldId="259"/>
-            <ac:picMk id="7" creationId="{C50FC1BF-4DA2-EAA1-B13F-3AB9F76B3E95}"/>
-          </ac:picMkLst>
-        </pc:picChg>
-      </pc:sldChg>
-      <pc:sldChg chg="addSp delSp modSp new ord">
-        <pc:chgData name="Mikkel Norre Nielsen" userId="S::te23dr@student.aau.dk::08025e8e-c0f6-41eb-9a1e-9487d7d200eb" providerId="AD" clId="Web-{8040B955-2051-396C-7BEF-C6911C791A7E}" dt="2024-12-28T10:25:09.287" v="45" actId="1076"/>
-        <pc:sldMkLst>
-          <pc:docMk/>
-          <pc:sldMk cId="885346506" sldId="260"/>
-        </pc:sldMkLst>
-        <pc:spChg chg="del">
-          <ac:chgData name="Mikkel Norre Nielsen" userId="S::te23dr@student.aau.dk::08025e8e-c0f6-41eb-9a1e-9487d7d200eb" providerId="AD" clId="Web-{8040B955-2051-396C-7BEF-C6911C791A7E}" dt="2024-12-28T10:24:59.365" v="42"/>
-          <ac:spMkLst>
-            <pc:docMk/>
-            <pc:sldMk cId="885346506" sldId="260"/>
-            <ac:spMk id="2" creationId="{C66A4922-9494-B021-B959-770C934711EF}"/>
-          </ac:spMkLst>
-        </pc:spChg>
-        <pc:spChg chg="del">
-          <ac:chgData name="Mikkel Norre Nielsen" userId="S::te23dr@student.aau.dk::08025e8e-c0f6-41eb-9a1e-9487d7d200eb" providerId="AD" clId="Web-{8040B955-2051-396C-7BEF-C6911C791A7E}" dt="2024-12-28T10:23:31.253" v="35"/>
-          <ac:spMkLst>
-            <pc:docMk/>
-            <pc:sldMk cId="885346506" sldId="260"/>
-            <ac:spMk id="3" creationId="{A23EBEF2-6847-5AD7-BCBB-4ADC6E84A398}"/>
-          </ac:spMkLst>
-        </pc:spChg>
-        <pc:picChg chg="add mod">
-          <ac:chgData name="Mikkel Norre Nielsen" userId="S::te23dr@student.aau.dk::08025e8e-c0f6-41eb-9a1e-9487d7d200eb" providerId="AD" clId="Web-{8040B955-2051-396C-7BEF-C6911C791A7E}" dt="2024-12-28T10:25:07.287" v="44" actId="1076"/>
-          <ac:picMkLst>
-            <pc:docMk/>
-            <pc:sldMk cId="885346506" sldId="260"/>
-            <ac:picMk id="4" creationId="{F2193EEE-004A-171A-1EBB-21714828280F}"/>
-          </ac:picMkLst>
-        </pc:picChg>
-        <pc:picChg chg="add mod">
-          <ac:chgData name="Mikkel Norre Nielsen" userId="S::te23dr@student.aau.dk::08025e8e-c0f6-41eb-9a1e-9487d7d200eb" providerId="AD" clId="Web-{8040B955-2051-396C-7BEF-C6911C791A7E}" dt="2024-12-28T10:25:09.287" v="45" actId="1076"/>
-          <ac:picMkLst>
-            <pc:docMk/>
-            <pc:sldMk cId="885346506" sldId="260"/>
-            <ac:picMk id="5" creationId="{ADB62D32-2D1A-FA42-DC08-F198E170411A}"/>
-          </ac:picMkLst>
-        </pc:picChg>
-      </pc:sldChg>
-      <pc:sldChg chg="modSp new">
-        <pc:chgData name="Mikkel Norre Nielsen" userId="S::te23dr@student.aau.dk::08025e8e-c0f6-41eb-9a1e-9487d7d200eb" providerId="AD" clId="Web-{8040B955-2051-396C-7BEF-C6911C791A7E}" dt="2024-12-28T10:33:25.026" v="56" actId="20577"/>
-        <pc:sldMkLst>
-          <pc:docMk/>
-          <pc:sldMk cId="2592667927" sldId="261"/>
-        </pc:sldMkLst>
-        <pc:spChg chg="mod">
-          <ac:chgData name="Mikkel Norre Nielsen" userId="S::te23dr@student.aau.dk::08025e8e-c0f6-41eb-9a1e-9487d7d200eb" providerId="AD" clId="Web-{8040B955-2051-396C-7BEF-C6911C791A7E}" dt="2024-12-28T10:33:25.026" v="56" actId="20577"/>
-          <ac:spMkLst>
-            <pc:docMk/>
-            <pc:sldMk cId="2592667927" sldId="261"/>
-            <ac:spMk id="2" creationId="{6F84C91A-10F4-909C-44E5-2E5D2F06012F}"/>
-          </ac:spMkLst>
-        </pc:spChg>
-      </pc:sldChg>
-    </pc:docChg>
-  </pc:docChgLst>
-</pc:chgInfo>
-</file>
-
 <file path=ppt/slideLayouts/slideLayout1.xml><?xml version="1.0" encoding="utf-8"?>
 <p:sldLayout xmlns:a="http://schemas.openxmlformats.org/drawingml/2006/main" xmlns:r="http://schemas.openxmlformats.org/officeDocument/2006/relationships" xmlns:p="http://schemas.openxmlformats.org/presentationml/2006/main" type="title" preserve="1">
   <p:cSld name="Title Slide">
@@ -465,7 +257,7 @@
           <a:p>
             <a:fld id="{846CE7D5-CF57-46EF-B807-FDD0502418D4}" type="datetimeFigureOut">
               <a:rPr lang="en-US" smtClean="0"/>
-              <a:t>1/14/2025</a:t>
+              <a:t>1/15/2025</a:t>
             </a:fld>
             <a:endParaRPr lang="en-US"/>
           </a:p>
@@ -635,7 +427,7 @@
           <a:p>
             <a:fld id="{846CE7D5-CF57-46EF-B807-FDD0502418D4}" type="datetimeFigureOut">
               <a:rPr lang="en-US" smtClean="0"/>
-              <a:t>1/14/2025</a:t>
+              <a:t>1/15/2025</a:t>
             </a:fld>
             <a:endParaRPr lang="en-US"/>
           </a:p>
@@ -815,7 +607,7 @@
           <a:p>
             <a:fld id="{846CE7D5-CF57-46EF-B807-FDD0502418D4}" type="datetimeFigureOut">
               <a:rPr lang="en-US" smtClean="0"/>
-              <a:t>1/14/2025</a:t>
+              <a:t>1/15/2025</a:t>
             </a:fld>
             <a:endParaRPr lang="en-US"/>
           </a:p>
@@ -985,7 +777,7 @@
           <a:p>
             <a:fld id="{846CE7D5-CF57-46EF-B807-FDD0502418D4}" type="datetimeFigureOut">
               <a:rPr lang="en-US" smtClean="0"/>
-              <a:t>1/14/2025</a:t>
+              <a:t>1/15/2025</a:t>
             </a:fld>
             <a:endParaRPr lang="en-US"/>
           </a:p>
@@ -1231,7 +1023,7 @@
           <a:p>
             <a:fld id="{846CE7D5-CF57-46EF-B807-FDD0502418D4}" type="datetimeFigureOut">
               <a:rPr lang="en-US" smtClean="0"/>
-              <a:t>1/14/2025</a:t>
+              <a:t>1/15/2025</a:t>
             </a:fld>
             <a:endParaRPr lang="en-US"/>
           </a:p>
@@ -1463,7 +1255,7 @@
           <a:p>
             <a:fld id="{846CE7D5-CF57-46EF-B807-FDD0502418D4}" type="datetimeFigureOut">
               <a:rPr lang="en-US" smtClean="0"/>
-              <a:t>1/14/2025</a:t>
+              <a:t>1/15/2025</a:t>
             </a:fld>
             <a:endParaRPr lang="en-US"/>
           </a:p>
@@ -1830,7 +1622,7 @@
           <a:p>
             <a:fld id="{846CE7D5-CF57-46EF-B807-FDD0502418D4}" type="datetimeFigureOut">
               <a:rPr lang="en-US" smtClean="0"/>
-              <a:t>1/14/2025</a:t>
+              <a:t>1/15/2025</a:t>
             </a:fld>
             <a:endParaRPr lang="en-US"/>
           </a:p>
@@ -1948,7 +1740,7 @@
           <a:p>
             <a:fld id="{846CE7D5-CF57-46EF-B807-FDD0502418D4}" type="datetimeFigureOut">
               <a:rPr lang="en-US" smtClean="0"/>
-              <a:t>1/14/2025</a:t>
+              <a:t>1/15/2025</a:t>
             </a:fld>
             <a:endParaRPr lang="en-US"/>
           </a:p>
@@ -2043,7 +1835,7 @@
           <a:p>
             <a:fld id="{846CE7D5-CF57-46EF-B807-FDD0502418D4}" type="datetimeFigureOut">
               <a:rPr lang="en-US" smtClean="0"/>
-              <a:t>1/14/2025</a:t>
+              <a:t>1/15/2025</a:t>
             </a:fld>
             <a:endParaRPr lang="en-US"/>
           </a:p>
@@ -2320,7 +2112,7 @@
           <a:p>
             <a:fld id="{846CE7D5-CF57-46EF-B807-FDD0502418D4}" type="datetimeFigureOut">
               <a:rPr lang="en-US" smtClean="0"/>
-              <a:t>1/14/2025</a:t>
+              <a:t>1/15/2025</a:t>
             </a:fld>
             <a:endParaRPr lang="en-US"/>
           </a:p>
@@ -2577,7 +2369,7 @@
           <a:p>
             <a:fld id="{846CE7D5-CF57-46EF-B807-FDD0502418D4}" type="datetimeFigureOut">
               <a:rPr lang="en-US" smtClean="0"/>
-              <a:t>1/14/2025</a:t>
+              <a:t>1/15/2025</a:t>
             </a:fld>
             <a:endParaRPr lang="en-US"/>
           </a:p>
@@ -2790,7 +2582,7 @@
           <a:p>
             <a:fld id="{846CE7D5-CF57-46EF-B807-FDD0502418D4}" type="datetimeFigureOut">
               <a:rPr lang="en-US" smtClean="0"/>
-              <a:t>1/14/2025</a:t>
+              <a:t>1/15/2025</a:t>
             </a:fld>
             <a:endParaRPr lang="en-US"/>
           </a:p>
@@ -3944,7 +3736,26 @@
           <a:bodyPr/>
           <a:lstStyle/>
           <a:p>
-            <a:endParaRPr lang="en-US"/>
+            <a:r>
+              <a:rPr lang="en-US" dirty="0"/>
+              <a:t>Radar target detection (</a:t>
+            </a:r>
+            <a:r>
+              <a:rPr lang="en-US" dirty="0" err="1"/>
+              <a:t>afstand</a:t>
+            </a:r>
+            <a:r>
+              <a:rPr lang="en-US" dirty="0"/>
+              <a:t>, </a:t>
+            </a:r>
+            <a:r>
+              <a:rPr lang="en-US" dirty="0" err="1"/>
+              <a:t>hastighed</a:t>
+            </a:r>
+            <a:r>
+              <a:rPr lang="en-US" dirty="0"/>
+              <a:t>)</a:t>
+            </a:r>
           </a:p>
         </p:txBody>
       </p:sp>
